--- a/lessons_I/9-11/les_10/les_10_templates.pptx
+++ b/lessons_I/9-11/les_10/les_10_templates.pptx
@@ -258,8 +258,11 @@
     </a:lvl9pPr>
   </p:defaultTextStyle>
   <p:extLst>
+    <p:ext uri="{EFAFB233-063F-42B5-8137-9DF3F51BA10A}">
+      <p15:sldGuideLst xmlns:p15="http://schemas.microsoft.com/office/powerpoint/2012/main"/>
+    </p:ext>
     <p:ext uri="http://customooxmlschemas.google.com/">
-      <go:slidesCustomData xmlns:go="http://customooxmlschemas.google.com/" xmlns:p15="http://schemas.microsoft.com/office/powerpoint/2012/main" xmlns:p14="http://schemas.microsoft.com/office/powerpoint/2010/main" xmlns:com="http://schemas.openxmlformats.org/drawingml/2006/compatibility" xmlns:pvml="urn:schemas-microsoft-com:office:powerpoint" xmlns:v="urn:schemas-microsoft-com:vml" xmlns:o="urn:schemas-microsoft-com:office:office" xmlns:dgm="http://schemas.openxmlformats.org/drawingml/2006/diagram" xmlns:c="http://schemas.openxmlformats.org/drawingml/2006/chart" xmlns:mv="urn:schemas-microsoft-com:mac:vml" xmlns:mc="http://schemas.openxmlformats.org/markup-compatibility/2006" xmlns="" r:id="rId23" roundtripDataSignature="AMtx7mhYOybmUzM3Wr7PgsZUFJ0mSwyIqQ=="/>
+      <go:slidesCustomData xmlns="" xmlns:mc="http://schemas.openxmlformats.org/markup-compatibility/2006" xmlns:mv="urn:schemas-microsoft-com:mac:vml" xmlns:c="http://schemas.openxmlformats.org/drawingml/2006/chart" xmlns:dgm="http://schemas.openxmlformats.org/drawingml/2006/diagram" xmlns:o="urn:schemas-microsoft-com:office:office" xmlns:v="urn:schemas-microsoft-com:vml" xmlns:pvml="urn:schemas-microsoft-com:office:powerpoint" xmlns:com="http://schemas.openxmlformats.org/drawingml/2006/compatibility" xmlns:p14="http://schemas.microsoft.com/office/powerpoint/2010/main" xmlns:p15="http://schemas.microsoft.com/office/powerpoint/2012/main" xmlns:go="http://customooxmlschemas.google.com/" r:id="rId23" roundtripDataSignature="AMtx7mhYOybmUzM3Wr7PgsZUFJ0mSwyIqQ=="/>
     </p:ext>
   </p:extLst>
 </p:presentation>
@@ -19941,7 +19944,7 @@
               <a:buNone/>
             </a:pPr>
             <a:r>
-              <a:rPr lang="ru-RU" sz="1800" b="1" i="0" u="none" strike="noStrike" cap="none">
+              <a:rPr lang="ru-RU" sz="1800" b="1" i="0" u="none" strike="noStrike" cap="none" dirty="0">
                 <a:solidFill>
                   <a:schemeClr val="dk1"/>
                 </a:solidFill>
@@ -19952,7 +19955,7 @@
               </a:rPr>
               <a:t>Шаблоны классов </a:t>
             </a:r>
-            <a:endParaRPr/>
+            <a:endParaRPr dirty="0"/>
           </a:p>
           <a:p>
             <a:pPr marL="0" marR="0" lvl="0" indent="0" algn="l" rtl="0">
@@ -19968,7 +19971,7 @@
               <a:buNone/>
             </a:pPr>
             <a:r>
-              <a:rPr lang="ru-RU" sz="1800" b="0" i="0" u="none" strike="noStrike" cap="none">
+              <a:rPr lang="ru-RU" sz="1800" b="0" i="0" u="none" strike="noStrike" cap="none" dirty="0">
                 <a:solidFill>
                   <a:schemeClr val="dk1"/>
                 </a:solidFill>
@@ -19979,7 +19982,7 @@
               </a:rPr>
               <a:t> </a:t>
             </a:r>
-            <a:endParaRPr/>
+            <a:endParaRPr dirty="0"/>
           </a:p>
           <a:p>
             <a:pPr marL="0" marR="0" lvl="0" indent="0" algn="l" rtl="0">
@@ -19995,7 +19998,7 @@
               <a:buNone/>
             </a:pPr>
             <a:r>
-              <a:rPr lang="ru-RU" sz="1800" b="0" i="0" u="none" strike="noStrike" cap="none">
+              <a:rPr lang="ru-RU" sz="1800" b="0" i="0" u="none" strike="noStrike" cap="none" dirty="0" smtClean="0">
                 <a:solidFill>
                   <a:schemeClr val="dk1"/>
                 </a:solidFill>
@@ -20004,9 +20007,21 @@
                 <a:cs typeface="Calibri"/>
                 <a:sym typeface="Calibri"/>
               </a:rPr>
-              <a:t>Также как и с шаблонами функций, мы можем определить шаблоны классов, позволяя классам иметь элементы, которые используют параметры шаблонов в качестве типов. </a:t>
+              <a:t>Так же </a:t>
             </a:r>
-            <a:endParaRPr/>
+            <a:r>
+              <a:rPr lang="ru-RU" sz="1800" b="0" i="0" u="none" strike="noStrike" cap="none" dirty="0">
+                <a:solidFill>
+                  <a:schemeClr val="dk1"/>
+                </a:solidFill>
+                <a:latin typeface="Calibri"/>
+                <a:ea typeface="Calibri"/>
+                <a:cs typeface="Calibri"/>
+                <a:sym typeface="Calibri"/>
+              </a:rPr>
+              <a:t>как и с шаблонами функций, мы можем определить шаблоны классов, позволяя классам иметь элементы, которые используют параметры шаблонов в качестве типов. </a:t>
+            </a:r>
+            <a:endParaRPr dirty="0"/>
           </a:p>
           <a:p>
             <a:pPr marL="0" marR="0" lvl="0" indent="0" algn="l" rtl="0">
@@ -20022,7 +20037,7 @@
               <a:buNone/>
             </a:pPr>
             <a:r>
-              <a:rPr lang="ru-RU" sz="1800" b="0" i="0" u="none" strike="noStrike" cap="none">
+              <a:rPr lang="ru-RU" sz="1800" b="0" i="0" u="none" strike="noStrike" cap="none" dirty="0">
                 <a:solidFill>
                   <a:schemeClr val="dk1"/>
                 </a:solidFill>
@@ -20033,7 +20048,7 @@
               </a:rPr>
               <a:t>Такой же синтаксис используется для определения шаблона класса:</a:t>
             </a:r>
-            <a:endParaRPr sz="1800" b="0" i="0" u="none" strike="noStrike" cap="none">
+            <a:endParaRPr sz="1800" b="0" i="0" u="none" strike="noStrike" cap="none" dirty="0">
               <a:solidFill>
                 <a:schemeClr val="dk1"/>
               </a:solidFill>
@@ -20056,7 +20071,7 @@
               </a:spcAft>
               <a:buNone/>
             </a:pPr>
-            <a:endParaRPr sz="1800" b="1" i="0" u="none" strike="noStrike" cap="none">
+            <a:endParaRPr sz="1800" b="1" i="0" u="none" strike="noStrike" cap="none" dirty="0">
               <a:solidFill>
                 <a:schemeClr val="dk1"/>
               </a:solidFill>
@@ -20106,7 +20121,7 @@
               <a:buNone/>
             </a:pPr>
             <a:r>
-              <a:rPr lang="ru-RU" sz="3200" b="1" i="0" u="none" strike="noStrike" cap="none">
+              <a:rPr lang="ru-RU" sz="3200" b="1" i="0" u="none" strike="noStrike" cap="none" dirty="0" err="1">
                 <a:solidFill>
                   <a:schemeClr val="dk1"/>
                 </a:solidFill>
@@ -20115,10 +20130,46 @@
                 <a:cs typeface="Arial"/>
                 <a:sym typeface="Arial"/>
               </a:rPr>
-              <a:t>template &lt;class T&gt;</a:t>
+              <a:t>template</a:t>
             </a:r>
             <a:r>
-              <a:rPr lang="ru-RU" sz="3200" b="0" i="0" u="none" strike="noStrike" cap="none">
+              <a:rPr lang="ru-RU" sz="3200" b="1" i="0" u="none" strike="noStrike" cap="none" dirty="0">
+                <a:solidFill>
+                  <a:schemeClr val="dk1"/>
+                </a:solidFill>
+                <a:latin typeface="Arial"/>
+                <a:ea typeface="Arial"/>
+                <a:cs typeface="Arial"/>
+                <a:sym typeface="Arial"/>
+              </a:rPr>
+              <a:t> &lt;</a:t>
+            </a:r>
+            <a:r>
+              <a:rPr lang="ru-RU" sz="3200" b="1" i="0" u="none" strike="noStrike" cap="none" dirty="0" err="1">
+                <a:solidFill>
+                  <a:schemeClr val="dk1"/>
+                </a:solidFill>
+                <a:latin typeface="Arial"/>
+                <a:ea typeface="Arial"/>
+                <a:cs typeface="Arial"/>
+                <a:sym typeface="Arial"/>
+              </a:rPr>
+              <a:t>class</a:t>
+            </a:r>
+            <a:r>
+              <a:rPr lang="ru-RU" sz="3200" b="1" i="0" u="none" strike="noStrike" cap="none" dirty="0">
+                <a:solidFill>
+                  <a:schemeClr val="dk1"/>
+                </a:solidFill>
+                <a:latin typeface="Arial"/>
+                <a:ea typeface="Arial"/>
+                <a:cs typeface="Arial"/>
+                <a:sym typeface="Arial"/>
+              </a:rPr>
+              <a:t> T&gt;</a:t>
+            </a:r>
+            <a:r>
+              <a:rPr lang="ru-RU" sz="3200" b="0" i="0" u="none" strike="noStrike" cap="none" dirty="0">
                 <a:solidFill>
                   <a:schemeClr val="dk1"/>
                 </a:solidFill>
@@ -20130,7 +20181,7 @@
               <a:t/>
             </a:r>
             <a:br>
-              <a:rPr lang="ru-RU" sz="3200" b="0" i="0" u="none" strike="noStrike" cap="none">
+              <a:rPr lang="ru-RU" sz="3200" b="0" i="0" u="none" strike="noStrike" cap="none" dirty="0">
                 <a:solidFill>
                   <a:schemeClr val="dk1"/>
                 </a:solidFill>
@@ -20141,7 +20192,7 @@
               </a:rPr>
             </a:br>
             <a:r>
-              <a:rPr lang="ru-RU" sz="3200" b="0" i="0" u="none" strike="noStrike" cap="none">
+              <a:rPr lang="ru-RU" sz="3200" b="0" i="0" u="none" strike="noStrike" cap="none" dirty="0" err="1">
                 <a:solidFill>
                   <a:schemeClr val="dk1"/>
                 </a:solidFill>
@@ -20150,9 +20201,45 @@
                 <a:cs typeface="Arial"/>
                 <a:sym typeface="Arial"/>
               </a:rPr>
-              <a:t>class MyClass </a:t>
+              <a:t>class</a:t>
             </a:r>
-            <a:endParaRPr sz="3200" b="0" i="0" u="none" strike="noStrike" cap="none">
+            <a:r>
+              <a:rPr lang="ru-RU" sz="3200" b="0" i="0" u="none" strike="noStrike" cap="none" dirty="0">
+                <a:solidFill>
+                  <a:schemeClr val="dk1"/>
+                </a:solidFill>
+                <a:latin typeface="Arial"/>
+                <a:ea typeface="Arial"/>
+                <a:cs typeface="Arial"/>
+                <a:sym typeface="Arial"/>
+              </a:rPr>
+              <a:t> </a:t>
+            </a:r>
+            <a:r>
+              <a:rPr lang="ru-RU" sz="3200" b="0" i="0" u="none" strike="noStrike" cap="none" dirty="0" err="1">
+                <a:solidFill>
+                  <a:schemeClr val="dk1"/>
+                </a:solidFill>
+                <a:latin typeface="Arial"/>
+                <a:ea typeface="Arial"/>
+                <a:cs typeface="Arial"/>
+                <a:sym typeface="Arial"/>
+              </a:rPr>
+              <a:t>MyClass</a:t>
+            </a:r>
+            <a:r>
+              <a:rPr lang="ru-RU" sz="3200" b="0" i="0" u="none" strike="noStrike" cap="none" dirty="0">
+                <a:solidFill>
+                  <a:schemeClr val="dk1"/>
+                </a:solidFill>
+                <a:latin typeface="Arial"/>
+                <a:ea typeface="Arial"/>
+                <a:cs typeface="Arial"/>
+                <a:sym typeface="Arial"/>
+              </a:rPr>
+              <a:t> </a:t>
+            </a:r>
+            <a:endParaRPr sz="3200" b="0" i="0" u="none" strike="noStrike" cap="none" dirty="0">
               <a:solidFill>
                 <a:schemeClr val="dk1"/>
               </a:solidFill>
@@ -20176,7 +20263,7 @@
               <a:buNone/>
             </a:pPr>
             <a:r>
-              <a:rPr lang="ru-RU" sz="3200" b="0" i="0" u="none" strike="noStrike" cap="none">
+              <a:rPr lang="ru-RU" sz="3200" b="0" i="0" u="none" strike="noStrike" cap="none" dirty="0">
                 <a:solidFill>
                   <a:schemeClr val="dk1"/>
                 </a:solidFill>
@@ -20188,7 +20275,7 @@
               <a:t>{</a:t>
             </a:r>
             <a:br>
-              <a:rPr lang="ru-RU" sz="3200" b="0" i="0" u="none" strike="noStrike" cap="none">
+              <a:rPr lang="ru-RU" sz="3200" b="0" i="0" u="none" strike="noStrike" cap="none" dirty="0">
                 <a:solidFill>
                   <a:schemeClr val="dk1"/>
                 </a:solidFill>
@@ -20199,7 +20286,7 @@
               </a:rPr>
             </a:br>
             <a:r>
-              <a:rPr lang="ru-RU" sz="3200" b="0" i="0" u="none" strike="noStrike" cap="none">
+              <a:rPr lang="ru-RU" sz="3200" b="0" i="0" u="none" strike="noStrike" cap="none" dirty="0">
                 <a:solidFill>
                   <a:schemeClr val="dk1"/>
                 </a:solidFill>
@@ -20208,10 +20295,34 @@
                 <a:cs typeface="Arial"/>
                 <a:sym typeface="Arial"/>
               </a:rPr>
-              <a:t>	//code</a:t>
+              <a:t>	//</a:t>
+            </a:r>
+            <a:r>
+              <a:rPr lang="ru-RU" sz="3200" b="0" i="0" u="none" strike="noStrike" cap="none" dirty="0" err="1">
+                <a:solidFill>
+                  <a:schemeClr val="dk1"/>
+                </a:solidFill>
+                <a:latin typeface="Arial"/>
+                <a:ea typeface="Arial"/>
+                <a:cs typeface="Arial"/>
+                <a:sym typeface="Arial"/>
+              </a:rPr>
+              <a:t>code</a:t>
+            </a:r>
+            <a:r>
+              <a:rPr lang="ru-RU" sz="3200" b="0" i="0" u="none" strike="noStrike" cap="none" dirty="0">
+                <a:solidFill>
+                  <a:schemeClr val="dk1"/>
+                </a:solidFill>
+                <a:latin typeface="Arial"/>
+                <a:ea typeface="Arial"/>
+                <a:cs typeface="Arial"/>
+                <a:sym typeface="Arial"/>
+              </a:rPr>
+              <a:t/>
             </a:r>
             <a:br>
-              <a:rPr lang="ru-RU" sz="3200" b="0" i="0" u="none" strike="noStrike" cap="none">
+              <a:rPr lang="ru-RU" sz="3200" b="0" i="0" u="none" strike="noStrike" cap="none" dirty="0">
                 <a:solidFill>
                   <a:schemeClr val="dk1"/>
                 </a:solidFill>
@@ -20222,7 +20333,7 @@
               </a:rPr>
             </a:br>
             <a:r>
-              <a:rPr lang="ru-RU" sz="3200" b="0" i="0" u="none" strike="noStrike" cap="none">
+              <a:rPr lang="ru-RU" sz="3200" b="0" i="0" u="none" strike="noStrike" cap="none" dirty="0">
                 <a:solidFill>
                   <a:schemeClr val="dk1"/>
                 </a:solidFill>
@@ -20233,7 +20344,7 @@
               </a:rPr>
               <a:t>};</a:t>
             </a:r>
-            <a:endParaRPr sz="3200" b="0" i="0" u="none" strike="noStrike" cap="none">
+            <a:endParaRPr sz="3200" b="0" i="0" u="none" strike="noStrike" cap="none" dirty="0">
               <a:solidFill>
                 <a:schemeClr val="dk1"/>
               </a:solidFill>
@@ -20716,7 +20827,7 @@
         <p:spPr>
           <a:xfrm>
             <a:off x="643680" y="1714204"/>
-            <a:ext cx="3736800" cy="2031887"/>
+            <a:ext cx="3736800" cy="2823290"/>
           </a:xfrm>
           <a:prstGeom prst="rect">
             <a:avLst/>
@@ -20745,7 +20856,7 @@
               <a:buNone/>
             </a:pPr>
             <a:r>
-              <a:rPr lang="ru-RU" sz="1800" b="1" i="0" u="none" strike="noStrike" cap="none">
+              <a:rPr lang="ru-RU" sz="1800" b="1" i="0" u="none" strike="noStrike" cap="none" dirty="0">
                 <a:solidFill>
                   <a:schemeClr val="dk1"/>
                 </a:solidFill>
@@ -20756,7 +20867,7 @@
               </a:rPr>
               <a:t>Шаблоны Классов </a:t>
             </a:r>
-            <a:endParaRPr/>
+            <a:endParaRPr dirty="0"/>
           </a:p>
           <a:p>
             <a:pPr marL="0" marR="0" lvl="0" indent="0" algn="l" rtl="0">
@@ -20772,7 +20883,7 @@
               <a:buNone/>
             </a:pPr>
             <a:r>
-              <a:rPr lang="ru-RU" sz="1800" b="1" i="0" u="none" strike="noStrike" cap="none">
+              <a:rPr lang="ru-RU" sz="1800" b="1" i="0" u="none" strike="noStrike" cap="none" dirty="0">
                 <a:solidFill>
                   <a:schemeClr val="dk1"/>
                 </a:solidFill>
@@ -20783,7 +20894,7 @@
               </a:rPr>
               <a:t> </a:t>
             </a:r>
-            <a:endParaRPr sz="1800" b="0" i="0" u="none" strike="noStrike" cap="none">
+            <a:endParaRPr sz="1800" b="0" i="0" u="none" strike="noStrike" cap="none" dirty="0">
               <a:solidFill>
                 <a:schemeClr val="dk1"/>
               </a:solidFill>
@@ -20807,7 +20918,7 @@
               <a:buNone/>
             </a:pPr>
             <a:r>
-              <a:rPr lang="ru-RU" sz="1800" b="0" i="0" u="none" strike="noStrike" cap="none">
+              <a:rPr lang="ru-RU" sz="1800" b="0" i="0" u="none" strike="noStrike" cap="none" dirty="0">
                 <a:solidFill>
                   <a:schemeClr val="dk1"/>
                 </a:solidFill>
@@ -20816,9 +20927,33 @@
                 <a:cs typeface="Calibri"/>
                 <a:sym typeface="Calibri"/>
               </a:rPr>
-              <a:t>При определении ваших элементов функций вне класса, например в другом исходном файле, будет использован специфический синтаксис. </a:t>
+              <a:t>При определении ваших элементов функций вне класса, </a:t>
             </a:r>
-            <a:endParaRPr/>
+            <a:r>
+              <a:rPr lang="ru-RU" sz="1800" b="0" i="0" u="none" strike="noStrike" cap="none" dirty="0" smtClean="0">
+                <a:solidFill>
+                  <a:schemeClr val="dk1"/>
+                </a:solidFill>
+                <a:latin typeface="Calibri"/>
+                <a:ea typeface="Calibri"/>
+                <a:cs typeface="Calibri"/>
+                <a:sym typeface="Calibri"/>
+              </a:rPr>
+              <a:t>например, </a:t>
+            </a:r>
+            <a:r>
+              <a:rPr lang="ru-RU" sz="1800" b="0" i="0" u="none" strike="noStrike" cap="none" dirty="0">
+                <a:solidFill>
+                  <a:schemeClr val="dk1"/>
+                </a:solidFill>
+                <a:latin typeface="Calibri"/>
+                <a:ea typeface="Calibri"/>
+                <a:cs typeface="Calibri"/>
+                <a:sym typeface="Calibri"/>
+              </a:rPr>
+              <a:t>в другом исходном файле, будет использован специфический синтаксис. </a:t>
+            </a:r>
+            <a:endParaRPr dirty="0"/>
           </a:p>
           <a:p>
             <a:pPr marL="0" marR="0" lvl="0" indent="0" algn="l" rtl="0">
@@ -20834,7 +20969,7 @@
               <a:buNone/>
             </a:pPr>
             <a:r>
-              <a:rPr lang="ru-RU" sz="1800" b="0" i="0" u="none" strike="noStrike" cap="none">
+              <a:rPr lang="ru-RU" sz="1800" b="0" i="0" u="none" strike="noStrike" cap="none" dirty="0">
                 <a:solidFill>
                   <a:schemeClr val="dk1"/>
                 </a:solidFill>
@@ -20845,7 +20980,7 @@
               </a:rPr>
               <a:t>Вам необходимо указать общий тип в угловых скобках после имени класса. </a:t>
             </a:r>
-            <a:endParaRPr/>
+            <a:endParaRPr dirty="0"/>
           </a:p>
         </p:txBody>
       </p:sp>
@@ -22623,7 +22758,7 @@
               <a:buNone/>
             </a:pPr>
             <a:r>
-              <a:rPr lang="ru-RU" sz="2000" b="1" i="0" u="none" strike="noStrike" cap="none">
+              <a:rPr lang="ru-RU" sz="2000" b="1" i="0" u="none" strike="noStrike" cap="none" dirty="0">
                 <a:solidFill>
                   <a:srgbClr val="000000"/>
                 </a:solidFill>
@@ -22634,7 +22769,7 @@
               </a:rPr>
               <a:t>Тема: Объектно-ориентированное программирование. </a:t>
             </a:r>
-            <a:endParaRPr/>
+            <a:endParaRPr dirty="0"/>
           </a:p>
           <a:p>
             <a:pPr marL="0" marR="0" lvl="0" indent="0" algn="l" rtl="0">
@@ -22650,7 +22785,7 @@
               <a:buNone/>
             </a:pPr>
             <a:r>
-              <a:rPr lang="ru-RU" sz="2000" b="1" i="0" u="none" strike="noStrike" cap="none">
+              <a:rPr lang="ru-RU" sz="2000" b="1" i="0" u="none" strike="noStrike" cap="none" dirty="0">
                 <a:solidFill>
                   <a:srgbClr val="000000"/>
                 </a:solidFill>
@@ -22661,7 +22796,7 @@
               </a:rPr>
               <a:t>			Классы в С++.</a:t>
             </a:r>
-            <a:endParaRPr sz="1800" b="0" i="0" u="none" strike="noStrike" cap="none">
+            <a:endParaRPr sz="1800" b="0" i="0" u="none" strike="noStrike" cap="none" dirty="0">
               <a:solidFill>
                 <a:schemeClr val="dk1"/>
               </a:solidFill>
@@ -22685,7 +22820,7 @@
               <a:buNone/>
             </a:pPr>
             <a:r>
-              <a:rPr lang="ru-RU" sz="2000" b="0" i="0" u="none" strike="noStrike" cap="none">
+              <a:rPr lang="ru-RU" sz="2000" b="0" i="0" u="none" strike="noStrike" cap="none" dirty="0">
                 <a:solidFill>
                   <a:srgbClr val="000000"/>
                 </a:solidFill>
@@ -22696,7 +22831,7 @@
               </a:rPr>
               <a:t> </a:t>
             </a:r>
-            <a:endParaRPr sz="2000" b="0" i="0" u="none" strike="noStrike" cap="none">
+            <a:endParaRPr sz="2000" b="0" i="0" u="none" strike="noStrike" cap="none" dirty="0">
               <a:solidFill>
                 <a:schemeClr val="dk1"/>
               </a:solidFill>
@@ -28907,7 +29042,7 @@
               <a:buNone/>
             </a:pPr>
             <a:r>
-              <a:rPr lang="ru-RU" sz="1800" b="1" i="0" u="none" strike="noStrike" cap="none">
+              <a:rPr lang="ru-RU" sz="1800" b="1" i="0" u="none" strike="noStrike" cap="none" dirty="0">
                 <a:solidFill>
                   <a:schemeClr val="dk1"/>
                 </a:solidFill>
@@ -28918,7 +29053,7 @@
               </a:rPr>
               <a:t>Шаблоны функций </a:t>
             </a:r>
-            <a:endParaRPr sz="1800" b="1" i="0" u="none" strike="noStrike" cap="none">
+            <a:endParaRPr sz="1800" b="1" i="0" u="none" strike="noStrike" cap="none" dirty="0">
               <a:solidFill>
                 <a:schemeClr val="dk1"/>
               </a:solidFill>
@@ -28942,7 +29077,7 @@
               <a:buNone/>
             </a:pPr>
             <a:r>
-              <a:rPr lang="ru-RU" sz="1800" b="0" i="0" u="none" strike="noStrike" cap="none">
+              <a:rPr lang="ru-RU" sz="1800" b="0" i="0" u="none" strike="noStrike" cap="none" dirty="0">
                 <a:solidFill>
                   <a:schemeClr val="dk1"/>
                 </a:solidFill>
@@ -28953,7 +29088,7 @@
               </a:rPr>
               <a:t> </a:t>
             </a:r>
-            <a:endParaRPr/>
+            <a:endParaRPr dirty="0"/>
           </a:p>
           <a:p>
             <a:pPr marL="0" marR="0" lvl="0" indent="0" algn="l" rtl="0">
@@ -28969,7 +29104,7 @@
               <a:buNone/>
             </a:pPr>
             <a:r>
-              <a:rPr lang="ru-RU" sz="1800" b="0" i="0" u="none" strike="noStrike" cap="none">
+              <a:rPr lang="ru-RU" sz="1800" b="0" i="0" u="none" strike="noStrike" cap="none" dirty="0">
                 <a:solidFill>
                   <a:schemeClr val="dk1"/>
                 </a:solidFill>
@@ -28980,7 +29115,7 @@
               </a:rPr>
               <a:t>Функции и классы помогают писать программы легко, безопасно и делать их более удобными для управления.  </a:t>
             </a:r>
-            <a:endParaRPr/>
+            <a:endParaRPr dirty="0"/>
           </a:p>
           <a:p>
             <a:pPr marL="0" marR="0" lvl="0" indent="0" algn="l" rtl="0">
@@ -28996,7 +29131,7 @@
               <a:buNone/>
             </a:pPr>
             <a:r>
-              <a:rPr lang="ru-RU" sz="1800" b="0" i="0" u="none" strike="noStrike" cap="none">
+              <a:rPr lang="ru-RU" sz="1800" b="0" i="0" u="none" strike="noStrike" cap="none" dirty="0">
                 <a:solidFill>
                   <a:schemeClr val="dk1"/>
                 </a:solidFill>
@@ -29007,7 +29142,7 @@
               </a:rPr>
               <a:t>Однако пока у функций и классов есть все эти преимущества, в некоторых случаях они могут быть отчасти лимитированы требованиями к языку C++. </a:t>
             </a:r>
-            <a:endParaRPr/>
+            <a:endParaRPr dirty="0"/>
           </a:p>
           <a:p>
             <a:pPr marL="0" marR="0" lvl="0" indent="0" algn="l" rtl="0">
@@ -29023,7 +29158,7 @@
               <a:buNone/>
             </a:pPr>
             <a:r>
-              <a:rPr lang="ru-RU" sz="1800" b="0" i="0" u="none" strike="noStrike" cap="none">
+              <a:rPr lang="ru-RU" sz="1800" b="0" i="0" u="none" strike="noStrike" cap="none" dirty="0">
                 <a:solidFill>
                   <a:schemeClr val="dk1"/>
                 </a:solidFill>
@@ -29034,7 +29169,7 @@
               </a:rPr>
               <a:t> </a:t>
             </a:r>
-            <a:endParaRPr/>
+            <a:endParaRPr dirty="0"/>
           </a:p>
           <a:p>
             <a:pPr marL="0" marR="0" lvl="0" indent="0" algn="l" rtl="0">
@@ -29050,7 +29185,7 @@
               <a:buNone/>
             </a:pPr>
             <a:r>
-              <a:rPr lang="ru-RU" sz="1800" b="0" i="0" u="none" strike="noStrike" cap="none">
+              <a:rPr lang="ru-RU" sz="1800" b="0" i="0" u="none" strike="noStrike" cap="none" dirty="0">
                 <a:solidFill>
                   <a:schemeClr val="dk1"/>
                 </a:solidFill>
@@ -29061,7 +29196,7 @@
               </a:rPr>
               <a:t>Например, возможно вы захотите написать функцию, которая подсчитывает сумму двух чисел, подобно следующей:</a:t>
             </a:r>
-            <a:endParaRPr sz="1800" b="0" i="0" u="none" strike="noStrike" cap="none">
+            <a:endParaRPr sz="1800" b="0" i="0" u="none" strike="noStrike" cap="none" dirty="0">
               <a:solidFill>
                 <a:schemeClr val="dk1"/>
               </a:solidFill>
@@ -29307,7 +29442,7 @@
               <a:buNone/>
             </a:pPr>
             <a:r>
-              <a:rPr lang="ru-RU" sz="1800" b="0" i="0" u="none" strike="noStrike" cap="none">
+              <a:rPr lang="ru-RU" sz="1800" b="0" i="0" u="none" strike="noStrike" cap="none" dirty="0">
                 <a:solidFill>
                   <a:schemeClr val="dk1"/>
                 </a:solidFill>
@@ -29316,9 +29451,33 @@
                 <a:cs typeface="Calibri"/>
                 <a:sym typeface="Calibri"/>
               </a:rPr>
-              <a:t>Становится необходимым писать новую функцию для каждого типа, например для double.</a:t>
+              <a:t>Становится необходимым писать новую функцию для каждого типа, например для </a:t>
             </a:r>
-            <a:endParaRPr sz="1600" b="0" i="0" u="none" strike="noStrike" cap="none">
+            <a:r>
+              <a:rPr lang="ru-RU" sz="1800" b="0" i="0" u="none" strike="noStrike" cap="none" dirty="0" err="1">
+                <a:solidFill>
+                  <a:schemeClr val="dk1"/>
+                </a:solidFill>
+                <a:latin typeface="Calibri"/>
+                <a:ea typeface="Calibri"/>
+                <a:cs typeface="Calibri"/>
+                <a:sym typeface="Calibri"/>
+              </a:rPr>
+              <a:t>double</a:t>
+            </a:r>
+            <a:r>
+              <a:rPr lang="ru-RU" sz="1800" b="0" i="0" u="none" strike="noStrike" cap="none" dirty="0">
+                <a:solidFill>
+                  <a:schemeClr val="dk1"/>
+                </a:solidFill>
+                <a:latin typeface="Calibri"/>
+                <a:ea typeface="Calibri"/>
+                <a:cs typeface="Calibri"/>
+                <a:sym typeface="Calibri"/>
+              </a:rPr>
+              <a:t>.</a:t>
+            </a:r>
+            <a:endParaRPr sz="1600" b="0" i="0" u="none" strike="noStrike" cap="none" dirty="0">
               <a:solidFill>
                 <a:schemeClr val="dk1"/>
               </a:solidFill>
@@ -29634,7 +29793,7 @@
               <a:buNone/>
             </a:pPr>
             <a:r>
-              <a:rPr lang="ru-RU" sz="1800" b="0" i="0" u="none" strike="noStrike" cap="none">
+              <a:rPr lang="ru-RU" sz="1800" b="0" i="0" u="none" strike="noStrike" cap="none" dirty="0">
                 <a:solidFill>
                   <a:schemeClr val="dk1"/>
                 </a:solidFill>
@@ -29643,9 +29802,33 @@
                 <a:cs typeface="Calibri"/>
                 <a:sym typeface="Calibri"/>
               </a:rPr>
-              <a:t>Не будет ли лучше написать одну версию функции sum() для работы с параметрами любого типа? </a:t>
+              <a:t>Не будет ли лучше написать одну версию функции </a:t>
             </a:r>
-            <a:endParaRPr/>
+            <a:r>
+              <a:rPr lang="ru-RU" sz="1800" b="0" i="0" u="none" strike="noStrike" cap="none" dirty="0" err="1">
+                <a:solidFill>
+                  <a:schemeClr val="dk1"/>
+                </a:solidFill>
+                <a:latin typeface="Calibri"/>
+                <a:ea typeface="Calibri"/>
+                <a:cs typeface="Calibri"/>
+                <a:sym typeface="Calibri"/>
+              </a:rPr>
+              <a:t>sum</a:t>
+            </a:r>
+            <a:r>
+              <a:rPr lang="ru-RU" sz="1800" b="0" i="0" u="none" strike="noStrike" cap="none" dirty="0">
+                <a:solidFill>
+                  <a:schemeClr val="dk1"/>
+                </a:solidFill>
+                <a:latin typeface="Calibri"/>
+                <a:ea typeface="Calibri"/>
+                <a:cs typeface="Calibri"/>
+                <a:sym typeface="Calibri"/>
+              </a:rPr>
+              <a:t>() для работы с параметрами любого типа? </a:t>
+            </a:r>
+            <a:endParaRPr dirty="0"/>
           </a:p>
           <a:p>
             <a:pPr marL="0" marR="0" lvl="0" indent="0" algn="l" rtl="0">
@@ -29661,7 +29844,7 @@
               <a:buNone/>
             </a:pPr>
             <a:r>
-              <a:rPr lang="ru-RU" sz="1800" b="0" i="0" u="none" strike="noStrike" cap="none">
+              <a:rPr lang="ru-RU" sz="1800" b="0" i="0" u="none" strike="noStrike" cap="none" dirty="0">
                 <a:solidFill>
                   <a:schemeClr val="dk1"/>
                 </a:solidFill>
@@ -29672,7 +29855,7 @@
               </a:rPr>
               <a:t>Шаблоны функций дают нам возможность сделать это! </a:t>
             </a:r>
-            <a:endParaRPr/>
+            <a:endParaRPr dirty="0"/>
           </a:p>
           <a:p>
             <a:pPr marL="0" marR="0" lvl="0" indent="0" algn="l" rtl="0">
@@ -29688,7 +29871,7 @@
               <a:buNone/>
             </a:pPr>
             <a:r>
-              <a:rPr lang="ru-RU" sz="1800" b="0" i="0" u="none" strike="noStrike" cap="none">
+              <a:rPr lang="ru-RU" sz="1800" b="0" i="0" u="none" strike="noStrike" cap="none" dirty="0">
                 <a:solidFill>
                   <a:schemeClr val="dk1"/>
                 </a:solidFill>
@@ -29699,7 +29882,7 @@
               </a:rPr>
               <a:t>Основная идея использования шаблонов функций заключается в отсутствии необходимости определения точного типа для каждой переменной. Кроме того, C++ нас обеспечивает способностью определения функций, с помощью типов, которые называются параметрами типа шаблона.  </a:t>
             </a:r>
-            <a:endParaRPr/>
+            <a:endParaRPr dirty="0"/>
           </a:p>
           <a:p>
             <a:pPr marL="0" marR="0" lvl="0" indent="0" algn="l" rtl="0">
@@ -29715,7 +29898,7 @@
               <a:buNone/>
             </a:pPr>
             <a:r>
-              <a:rPr lang="ru-RU" sz="1800" b="0" i="0" u="none" strike="noStrike" cap="none">
+              <a:rPr lang="ru-RU" sz="1800" b="0" i="0" u="none" strike="noStrike" cap="none" dirty="0">
                 <a:solidFill>
                   <a:schemeClr val="dk1"/>
                 </a:solidFill>
@@ -29726,7 +29909,7 @@
               </a:rPr>
               <a:t> </a:t>
             </a:r>
-            <a:endParaRPr/>
+            <a:endParaRPr dirty="0"/>
           </a:p>
           <a:p>
             <a:pPr marL="0" marR="0" lvl="0" indent="0" algn="l" rtl="0">
@@ -29742,7 +29925,7 @@
               <a:buNone/>
             </a:pPr>
             <a:r>
-              <a:rPr lang="ru-RU" sz="1800" b="0" i="0" u="none" strike="noStrike" cap="none">
+              <a:rPr lang="ru-RU" sz="1800" b="0" i="0" u="none" strike="noStrike" cap="none" dirty="0">
                 <a:solidFill>
                   <a:schemeClr val="dk1"/>
                 </a:solidFill>
@@ -29751,9 +29934,33 @@
                 <a:cs typeface="Calibri"/>
                 <a:sym typeface="Calibri"/>
               </a:rPr>
-              <a:t>Для определения шаблона функции, используйте ключевое слово template, после которого следует определение типа шаблона:</a:t>
+              <a:t>Для определения шаблона функции, используйте ключевое слово </a:t>
             </a:r>
-            <a:endParaRPr sz="1800" b="0" i="0" u="none" strike="noStrike" cap="none">
+            <a:r>
+              <a:rPr lang="ru-RU" sz="1800" b="0" i="0" u="none" strike="noStrike" cap="none" dirty="0" err="1">
+                <a:solidFill>
+                  <a:schemeClr val="dk1"/>
+                </a:solidFill>
+                <a:latin typeface="Calibri"/>
+                <a:ea typeface="Calibri"/>
+                <a:cs typeface="Calibri"/>
+                <a:sym typeface="Calibri"/>
+              </a:rPr>
+              <a:t>template</a:t>
+            </a:r>
+            <a:r>
+              <a:rPr lang="ru-RU" sz="1800" b="0" i="0" u="none" strike="noStrike" cap="none" dirty="0">
+                <a:solidFill>
+                  <a:schemeClr val="dk1"/>
+                </a:solidFill>
+                <a:latin typeface="Calibri"/>
+                <a:ea typeface="Calibri"/>
+                <a:cs typeface="Calibri"/>
+                <a:sym typeface="Calibri"/>
+              </a:rPr>
+              <a:t>, после которого следует определение типа шаблона:</a:t>
+            </a:r>
+            <a:endParaRPr sz="1800" b="0" i="0" u="none" strike="noStrike" cap="none" dirty="0">
               <a:solidFill>
                 <a:schemeClr val="dk1"/>
               </a:solidFill>
@@ -29776,7 +29983,7 @@
               </a:spcAft>
               <a:buNone/>
             </a:pPr>
-            <a:endParaRPr sz="1800" b="0" i="0" u="none" strike="noStrike" cap="none">
+            <a:endParaRPr sz="1800" b="0" i="0" u="none" strike="noStrike" cap="none" dirty="0">
               <a:solidFill>
                 <a:schemeClr val="dk1"/>
               </a:solidFill>
@@ -29800,7 +30007,7 @@
               <a:buNone/>
             </a:pPr>
             <a:r>
-              <a:rPr lang="ru-RU" sz="4400" b="1" i="0" u="none" strike="noStrike" cap="none">
+              <a:rPr lang="ru-RU" sz="4400" b="1" i="0" u="none" strike="noStrike" cap="none" dirty="0" err="1">
                 <a:solidFill>
                   <a:schemeClr val="dk1"/>
                 </a:solidFill>
@@ -29809,10 +30016,10 @@
                 <a:cs typeface="Calibri"/>
                 <a:sym typeface="Calibri"/>
               </a:rPr>
-              <a:t>template </a:t>
+              <a:t>template</a:t>
             </a:r>
             <a:r>
-              <a:rPr lang="ru-RU" sz="4400" b="0" i="0" u="none" strike="noStrike" cap="none">
+              <a:rPr lang="ru-RU" sz="4400" b="1" i="0" u="none" strike="noStrike" cap="none" dirty="0">
                 <a:solidFill>
                   <a:schemeClr val="dk1"/>
                 </a:solidFill>
@@ -29821,9 +30028,45 @@
                 <a:cs typeface="Calibri"/>
                 <a:sym typeface="Calibri"/>
               </a:rPr>
-              <a:t>&lt;class T&gt;</a:t>
+              <a:t> </a:t>
             </a:r>
-            <a:endParaRPr sz="4400" b="0" i="0" u="none" strike="noStrike" cap="none">
+            <a:r>
+              <a:rPr lang="ru-RU" sz="4400" b="0" i="0" u="none" strike="noStrike" cap="none" dirty="0">
+                <a:solidFill>
+                  <a:schemeClr val="dk1"/>
+                </a:solidFill>
+                <a:latin typeface="Calibri"/>
+                <a:ea typeface="Calibri"/>
+                <a:cs typeface="Calibri"/>
+                <a:sym typeface="Calibri"/>
+              </a:rPr>
+              <a:t>&lt;</a:t>
+            </a:r>
+            <a:r>
+              <a:rPr lang="ru-RU" sz="4400" b="0" i="0" u="none" strike="noStrike" cap="none" dirty="0" err="1">
+                <a:solidFill>
+                  <a:schemeClr val="dk1"/>
+                </a:solidFill>
+                <a:latin typeface="Calibri"/>
+                <a:ea typeface="Calibri"/>
+                <a:cs typeface="Calibri"/>
+                <a:sym typeface="Calibri"/>
+              </a:rPr>
+              <a:t>class</a:t>
+            </a:r>
+            <a:r>
+              <a:rPr lang="ru-RU" sz="4400" b="0" i="0" u="none" strike="noStrike" cap="none" dirty="0">
+                <a:solidFill>
+                  <a:schemeClr val="dk1"/>
+                </a:solidFill>
+                <a:latin typeface="Calibri"/>
+                <a:ea typeface="Calibri"/>
+                <a:cs typeface="Calibri"/>
+                <a:sym typeface="Calibri"/>
+              </a:rPr>
+              <a:t> T&gt;</a:t>
+            </a:r>
+            <a:endParaRPr sz="4400" b="0" i="0" u="none" strike="noStrike" cap="none" dirty="0">
               <a:solidFill>
                 <a:schemeClr val="dk1"/>
               </a:solidFill>
@@ -30308,7 +30551,7 @@
               <a:buNone/>
             </a:pPr>
             <a:r>
-              <a:rPr lang="ru-RU" sz="1800" b="0" i="0" u="none" strike="noStrike" cap="none">
+              <a:rPr lang="ru-RU" sz="1800" b="0" i="0" u="none" strike="noStrike" cap="none" dirty="0">
                 <a:solidFill>
                   <a:schemeClr val="dk1"/>
                 </a:solidFill>
@@ -30319,7 +30562,7 @@
               </a:rPr>
               <a:t>Компилятор автоматически вызывает функцию для соответствующего типа.</a:t>
             </a:r>
-            <a:endParaRPr sz="1800" b="0" i="0" u="none" strike="noStrike" cap="none">
+            <a:endParaRPr sz="1800" b="0" i="0" u="none" strike="noStrike" cap="none" dirty="0">
               <a:solidFill>
                 <a:schemeClr val="dk1"/>
               </a:solidFill>
@@ -30858,7 +31101,7 @@
               <a:buNone/>
             </a:pPr>
             <a:r>
-              <a:rPr lang="ru-RU" sz="1800" b="0" i="0" u="none" strike="noStrike" cap="none">
+              <a:rPr lang="ru-RU" sz="1800" b="0" i="0" u="none" strike="noStrike" cap="none" dirty="0">
                 <a:solidFill>
                   <a:schemeClr val="dk1"/>
                 </a:solidFill>
@@ -30869,7 +31112,7 @@
               </a:rPr>
               <a:t>Шаблоны функций могут сохранить много времени, потому что они создаются один раз и работают с разными типами.  </a:t>
             </a:r>
-            <a:endParaRPr/>
+            <a:endParaRPr dirty="0"/>
           </a:p>
           <a:p>
             <a:pPr marL="0" marR="0" lvl="0" indent="0" algn="l" rtl="0">
@@ -30885,7 +31128,7 @@
               <a:buNone/>
             </a:pPr>
             <a:r>
-              <a:rPr lang="ru-RU" sz="1800" b="0" i="0" u="none" strike="noStrike" cap="none">
+              <a:rPr lang="ru-RU" sz="1800" b="0" i="0" u="none" strike="noStrike" cap="none" dirty="0">
                 <a:solidFill>
                   <a:schemeClr val="dk1"/>
                 </a:solidFill>
@@ -30896,7 +31139,7 @@
               </a:rPr>
               <a:t>Шаблоны функций улучшают управление кодом, потому что сокращается количество дублированного кода.</a:t>
             </a:r>
-            <a:endParaRPr sz="1800" b="0" i="0" u="none" strike="noStrike" cap="none">
+            <a:endParaRPr sz="1800" b="0" i="0" u="none" strike="noStrike" cap="none" dirty="0">
               <a:solidFill>
                 <a:schemeClr val="dk1"/>
               </a:solidFill>
@@ -30919,7 +31162,7 @@
               </a:spcAft>
               <a:buNone/>
             </a:pPr>
-            <a:endParaRPr sz="1800" b="0" i="0" u="none" strike="noStrike" cap="none">
+            <a:endParaRPr sz="1800" b="0" i="0" u="none" strike="noStrike" cap="none" dirty="0">
               <a:solidFill>
                 <a:schemeClr val="dk1"/>
               </a:solidFill>
@@ -30943,7 +31186,7 @@
               <a:buNone/>
             </a:pPr>
             <a:r>
-              <a:rPr lang="ru-RU" sz="1800" b="0" i="0" u="none" strike="noStrike" cap="none">
+              <a:rPr lang="ru-RU" sz="1800" b="0" i="0" u="none" strike="noStrike" cap="none" dirty="0">
                 <a:solidFill>
                   <a:schemeClr val="dk1"/>
                 </a:solidFill>
@@ -30954,7 +31197,7 @@
               </a:rPr>
               <a:t>Повышение безопасности является другим преимуществом в использовании шаблонов функций, в связи с тем, что нет необходимости вручную копировать функции и менять типы.</a:t>
             </a:r>
-            <a:endParaRPr sz="1800" b="0" i="0" u="none" strike="noStrike" cap="none">
+            <a:endParaRPr sz="1800" b="0" i="0" u="none" strike="noStrike" cap="none" dirty="0">
               <a:solidFill>
                 <a:schemeClr val="dk1"/>
               </a:solidFill>
@@ -30977,7 +31220,7 @@
               </a:spcAft>
               <a:buNone/>
             </a:pPr>
-            <a:endParaRPr sz="1800" b="0" i="0" u="none" strike="noStrike" cap="none">
+            <a:endParaRPr sz="1800" b="0" i="0" u="none" strike="noStrike" cap="none" dirty="0">
               <a:solidFill>
                 <a:schemeClr val="dk1"/>
               </a:solidFill>
@@ -31000,7 +31243,7 @@
               </a:spcAft>
               <a:buNone/>
             </a:pPr>
-            <a:endParaRPr sz="1800" b="0" i="0" u="none" strike="noStrike" cap="none">
+            <a:endParaRPr sz="1800" b="0" i="0" u="none" strike="noStrike" cap="none" dirty="0">
               <a:solidFill>
                 <a:schemeClr val="dk1"/>
               </a:solidFill>
@@ -31024,7 +31267,7 @@
               <a:buNone/>
             </a:pPr>
             <a:r>
-              <a:rPr lang="ru-RU" sz="1800" b="0" i="0" u="none" strike="noStrike" cap="none">
+              <a:rPr lang="ru-RU" sz="1800" b="0" i="0" u="none" strike="noStrike" cap="none" dirty="0">
                 <a:solidFill>
                   <a:schemeClr val="dk1"/>
                 </a:solidFill>
@@ -31035,7 +31278,7 @@
               </a:rPr>
               <a:t>Шаблоны функций также позволяют работать с множеством типов. Определение происходит с помощью разделения запятыми.</a:t>
             </a:r>
-            <a:endParaRPr sz="1800" b="0" i="0" u="none" strike="noStrike" cap="none">
+            <a:endParaRPr sz="1800" b="0" i="0" u="none" strike="noStrike" cap="none" dirty="0">
               <a:solidFill>
                 <a:schemeClr val="dk1"/>
               </a:solidFill>
@@ -31058,7 +31301,7 @@
               </a:spcAft>
               <a:buNone/>
             </a:pPr>
-            <a:endParaRPr sz="1800" b="0" i="0" u="none" strike="noStrike" cap="none">
+            <a:endParaRPr sz="1800" b="0" i="0" u="none" strike="noStrike" cap="none" dirty="0">
               <a:solidFill>
                 <a:schemeClr val="dk1"/>
               </a:solidFill>
